--- a/Slides/Ninject/5 - Ninject.pptx
+++ b/Slides/Ninject/5 - Ninject.pptx
@@ -275,7 +275,7 @@
           <a:p>
             <a:fld id="{A254CC92-A4AB-4748-8201-8CC8FC025F54}" type="datetimeFigureOut">
               <a:rPr lang="en-US" smtClean="0"/>
-              <a:t>2/1/2015</a:t>
+              <a:t>2/2/2015</a:t>
             </a:fld>
             <a:endParaRPr lang="en-US"/>
           </a:p>
@@ -445,7 +445,7 @@
           <a:p>
             <a:fld id="{A254CC92-A4AB-4748-8201-8CC8FC025F54}" type="datetimeFigureOut">
               <a:rPr lang="en-US" smtClean="0"/>
-              <a:t>2/1/2015</a:t>
+              <a:t>2/2/2015</a:t>
             </a:fld>
             <a:endParaRPr lang="en-US"/>
           </a:p>
@@ -625,7 +625,7 @@
           <a:p>
             <a:fld id="{A254CC92-A4AB-4748-8201-8CC8FC025F54}" type="datetimeFigureOut">
               <a:rPr lang="en-US" smtClean="0"/>
-              <a:t>2/1/2015</a:t>
+              <a:t>2/2/2015</a:t>
             </a:fld>
             <a:endParaRPr lang="en-US"/>
           </a:p>
@@ -795,7 +795,7 @@
           <a:p>
             <a:fld id="{A254CC92-A4AB-4748-8201-8CC8FC025F54}" type="datetimeFigureOut">
               <a:rPr lang="en-US" smtClean="0"/>
-              <a:t>2/1/2015</a:t>
+              <a:t>2/2/2015</a:t>
             </a:fld>
             <a:endParaRPr lang="en-US"/>
           </a:p>
@@ -1039,7 +1039,7 @@
           <a:p>
             <a:fld id="{A254CC92-A4AB-4748-8201-8CC8FC025F54}" type="datetimeFigureOut">
               <a:rPr lang="en-US" smtClean="0"/>
-              <a:t>2/1/2015</a:t>
+              <a:t>2/2/2015</a:t>
             </a:fld>
             <a:endParaRPr lang="en-US"/>
           </a:p>
@@ -1271,7 +1271,7 @@
           <a:p>
             <a:fld id="{A254CC92-A4AB-4748-8201-8CC8FC025F54}" type="datetimeFigureOut">
               <a:rPr lang="en-US" smtClean="0"/>
-              <a:t>2/1/2015</a:t>
+              <a:t>2/2/2015</a:t>
             </a:fld>
             <a:endParaRPr lang="en-US"/>
           </a:p>
@@ -1638,7 +1638,7 @@
           <a:p>
             <a:fld id="{A254CC92-A4AB-4748-8201-8CC8FC025F54}" type="datetimeFigureOut">
               <a:rPr lang="en-US" smtClean="0"/>
-              <a:t>2/1/2015</a:t>
+              <a:t>2/2/2015</a:t>
             </a:fld>
             <a:endParaRPr lang="en-US"/>
           </a:p>
@@ -1756,7 +1756,7 @@
           <a:p>
             <a:fld id="{A254CC92-A4AB-4748-8201-8CC8FC025F54}" type="datetimeFigureOut">
               <a:rPr lang="en-US" smtClean="0"/>
-              <a:t>2/1/2015</a:t>
+              <a:t>2/2/2015</a:t>
             </a:fld>
             <a:endParaRPr lang="en-US"/>
           </a:p>
@@ -1851,7 +1851,7 @@
           <a:p>
             <a:fld id="{A254CC92-A4AB-4748-8201-8CC8FC025F54}" type="datetimeFigureOut">
               <a:rPr lang="en-US" smtClean="0"/>
-              <a:t>2/1/2015</a:t>
+              <a:t>2/2/2015</a:t>
             </a:fld>
             <a:endParaRPr lang="en-US"/>
           </a:p>
@@ -2128,7 +2128,7 @@
           <a:p>
             <a:fld id="{A254CC92-A4AB-4748-8201-8CC8FC025F54}" type="datetimeFigureOut">
               <a:rPr lang="en-US" smtClean="0"/>
-              <a:t>2/1/2015</a:t>
+              <a:t>2/2/2015</a:t>
             </a:fld>
             <a:endParaRPr lang="en-US"/>
           </a:p>
@@ -2385,7 +2385,7 @@
           <a:p>
             <a:fld id="{A254CC92-A4AB-4748-8201-8CC8FC025F54}" type="datetimeFigureOut">
               <a:rPr lang="en-US" smtClean="0"/>
-              <a:t>2/1/2015</a:t>
+              <a:t>2/2/2015</a:t>
             </a:fld>
             <a:endParaRPr lang="en-US"/>
           </a:p>
@@ -2598,7 +2598,7 @@
           <a:p>
             <a:fld id="{A254CC92-A4AB-4748-8201-8CC8FC025F54}" type="datetimeFigureOut">
               <a:rPr lang="en-US" smtClean="0"/>
-              <a:t>2/1/2015</a:t>
+              <a:t>2/2/2015</a:t>
             </a:fld>
             <a:endParaRPr lang="en-US"/>
           </a:p>
@@ -3104,6 +3104,13 @@
   <p:clrMapOvr>
     <a:masterClrMapping/>
   </p:clrMapOvr>
+  <p:timing>
+    <p:tnLst>
+      <p:par>
+        <p:cTn id="1" dur="indefinite" restart="never" nodeType="tmRoot"/>
+      </p:par>
+    </p:tnLst>
+  </p:timing>
 </p:sld>
 </file>
 
@@ -3246,6 +3253,13 @@
   <p:clrMapOvr>
     <a:masterClrMapping/>
   </p:clrMapOvr>
+  <p:timing>
+    <p:tnLst>
+      <p:par>
+        <p:cTn id="1" dur="indefinite" restart="never" nodeType="tmRoot"/>
+      </p:par>
+    </p:tnLst>
+  </p:timing>
 </p:sld>
 </file>
 
@@ -3350,6 +3364,13 @@
   <p:clrMapOvr>
     <a:masterClrMapping/>
   </p:clrMapOvr>
+  <p:timing>
+    <p:tnLst>
+      <p:par>
+        <p:cTn id="1" dur="indefinite" restart="never" nodeType="tmRoot"/>
+      </p:par>
+    </p:tnLst>
+  </p:timing>
 </p:sld>
 </file>
 
@@ -3464,6 +3485,13 @@
   <p:clrMapOvr>
     <a:masterClrMapping/>
   </p:clrMapOvr>
+  <p:timing>
+    <p:tnLst>
+      <p:par>
+        <p:cTn id="1" dur="indefinite" restart="never" nodeType="tmRoot"/>
+      </p:par>
+    </p:tnLst>
+  </p:timing>
 </p:sld>
 </file>
 
@@ -3565,6 +3593,13 @@
   <p:clrMapOvr>
     <a:masterClrMapping/>
   </p:clrMapOvr>
+  <p:timing>
+    <p:tnLst>
+      <p:par>
+        <p:cTn id="1" dur="indefinite" restart="never" nodeType="tmRoot"/>
+      </p:par>
+    </p:tnLst>
+  </p:timing>
 </p:sld>
 </file>
 
@@ -3661,6 +3696,13 @@
   <p:clrMapOvr>
     <a:masterClrMapping/>
   </p:clrMapOvr>
+  <p:timing>
+    <p:tnLst>
+      <p:par>
+        <p:cTn id="1" dur="indefinite" restart="never" nodeType="tmRoot"/>
+      </p:par>
+    </p:tnLst>
+  </p:timing>
 </p:sld>
 </file>
 
@@ -3762,6 +3804,13 @@
   <p:clrMapOvr>
     <a:masterClrMapping/>
   </p:clrMapOvr>
+  <p:timing>
+    <p:tnLst>
+      <p:par>
+        <p:cTn id="1" dur="indefinite" restart="never" nodeType="tmRoot"/>
+      </p:par>
+    </p:tnLst>
+  </p:timing>
 </p:sld>
 </file>
 
@@ -3876,6 +3925,13 @@
   <p:clrMapOvr>
     <a:masterClrMapping/>
   </p:clrMapOvr>
+  <p:timing>
+    <p:tnLst>
+      <p:par>
+        <p:cTn id="1" dur="indefinite" restart="never" nodeType="tmRoot"/>
+      </p:par>
+    </p:tnLst>
+  </p:timing>
 </p:sld>
 </file>
 
@@ -3977,6 +4033,13 @@
   <p:clrMapOvr>
     <a:masterClrMapping/>
   </p:clrMapOvr>
+  <p:timing>
+    <p:tnLst>
+      <p:par>
+        <p:cTn id="1" dur="indefinite" restart="never" nodeType="tmRoot"/>
+      </p:par>
+    </p:tnLst>
+  </p:timing>
 </p:sld>
 </file>
 
@@ -4083,6 +4146,13 @@
   <p:clrMapOvr>
     <a:masterClrMapping/>
   </p:clrMapOvr>
+  <p:timing>
+    <p:tnLst>
+      <p:par>
+        <p:cTn id="1" dur="indefinite" restart="never" nodeType="tmRoot"/>
+      </p:par>
+    </p:tnLst>
+  </p:timing>
 </p:sld>
 </file>
 
@@ -4194,6 +4264,13 @@
   <p:clrMapOvr>
     <a:masterClrMapping/>
   </p:clrMapOvr>
+  <p:timing>
+    <p:tnLst>
+      <p:par>
+        <p:cTn id="1" dur="indefinite" restart="never" nodeType="tmRoot"/>
+      </p:par>
+    </p:tnLst>
+  </p:timing>
 </p:sld>
 </file>
 
@@ -4303,6 +4380,13 @@
   <p:clrMapOvr>
     <a:masterClrMapping/>
   </p:clrMapOvr>
+  <p:timing>
+    <p:tnLst>
+      <p:par>
+        <p:cTn id="1" dur="indefinite" restart="never" nodeType="tmRoot"/>
+      </p:par>
+    </p:tnLst>
+  </p:timing>
 </p:sld>
 </file>
 
@@ -4393,6 +4477,13 @@
   <p:clrMapOvr>
     <a:masterClrMapping/>
   </p:clrMapOvr>
+  <p:timing>
+    <p:tnLst>
+      <p:par>
+        <p:cTn id="1" dur="indefinite" restart="never" nodeType="tmRoot"/>
+      </p:par>
+    </p:tnLst>
+  </p:timing>
 </p:sld>
 </file>
 
@@ -4493,6 +4584,13 @@
   <p:clrMapOvr>
     <a:masterClrMapping/>
   </p:clrMapOvr>
+  <p:timing>
+    <p:tnLst>
+      <p:par>
+        <p:cTn id="1" dur="indefinite" restart="never" nodeType="tmRoot"/>
+      </p:par>
+    </p:tnLst>
+  </p:timing>
 </p:sld>
 </file>
 
@@ -4604,6 +4702,13 @@
   <p:clrMapOvr>
     <a:masterClrMapping/>
   </p:clrMapOvr>
+  <p:timing>
+    <p:tnLst>
+      <p:par>
+        <p:cTn id="1" dur="indefinite" restart="never" nodeType="tmRoot"/>
+      </p:par>
+    </p:tnLst>
+  </p:timing>
 </p:sld>
 </file>
 
@@ -4709,6 +4814,13 @@
   <p:clrMapOvr>
     <a:masterClrMapping/>
   </p:clrMapOvr>
+  <p:timing>
+    <p:tnLst>
+      <p:par>
+        <p:cTn id="1" dur="indefinite" restart="never" nodeType="tmRoot"/>
+      </p:par>
+    </p:tnLst>
+  </p:timing>
 </p:sld>
 </file>
 
@@ -4838,6 +4950,13 @@
   <p:clrMapOvr>
     <a:masterClrMapping/>
   </p:clrMapOvr>
+  <p:timing>
+    <p:tnLst>
+      <p:par>
+        <p:cTn id="1" dur="indefinite" restart="never" nodeType="tmRoot"/>
+      </p:par>
+    </p:tnLst>
+  </p:timing>
 </p:sld>
 </file>
 
@@ -4967,6 +5086,13 @@
   <p:clrMapOvr>
     <a:masterClrMapping/>
   </p:clrMapOvr>
+  <p:timing>
+    <p:tnLst>
+      <p:par>
+        <p:cTn id="1" dur="indefinite" restart="never" nodeType="tmRoot"/>
+      </p:par>
+    </p:tnLst>
+  </p:timing>
 </p:sld>
 </file>
 
@@ -5092,6 +5218,13 @@
   <p:clrMapOvr>
     <a:masterClrMapping/>
   </p:clrMapOvr>
+  <p:timing>
+    <p:tnLst>
+      <p:par>
+        <p:cTn id="1" dur="indefinite" restart="never" nodeType="tmRoot"/>
+      </p:par>
+    </p:tnLst>
+  </p:timing>
 </p:sld>
 </file>
 
@@ -5552,6 +5685,13 @@
   <p:clrMapOvr>
     <a:masterClrMapping/>
   </p:clrMapOvr>
+  <p:timing>
+    <p:tnLst>
+      <p:par>
+        <p:cTn id="1" dur="indefinite" restart="never" nodeType="tmRoot"/>
+      </p:par>
+    </p:tnLst>
+  </p:timing>
 </p:sld>
 </file>
 
@@ -6038,8 +6178,13 @@
             </a:r>
             <a:r>
               <a:rPr lang="en-US" dirty="0"/>
-              <a:t>get</a:t>
-            </a:r>
+              <a:t>G</a:t>
+            </a:r>
+            <a:r>
+              <a:rPr lang="en-US" dirty="0" smtClean="0"/>
+              <a:t>et</a:t>
+            </a:r>
+            <a:endParaRPr lang="en-US" dirty="0"/>
           </a:p>
           <a:p>
             <a:r>
@@ -6086,6 +6231,13 @@
   <p:clrMapOvr>
     <a:masterClrMapping/>
   </p:clrMapOvr>
+  <p:timing>
+    <p:tnLst>
+      <p:par>
+        <p:cTn id="1" dur="indefinite" restart="never" nodeType="tmRoot"/>
+      </p:par>
+    </p:tnLst>
+  </p:timing>
 </p:sld>
 </file>
 
@@ -6204,6 +6356,13 @@
   <p:clrMapOvr>
     <a:masterClrMapping/>
   </p:clrMapOvr>
+  <p:timing>
+    <p:tnLst>
+      <p:par>
+        <p:cTn id="1" dur="indefinite" restart="never" nodeType="tmRoot"/>
+      </p:par>
+    </p:tnLst>
+  </p:timing>
 </p:sld>
 </file>
 
@@ -6327,6 +6486,13 @@
   <p:clrMapOvr>
     <a:masterClrMapping/>
   </p:clrMapOvr>
+  <p:timing>
+    <p:tnLst>
+      <p:par>
+        <p:cTn id="1" dur="indefinite" restart="never" nodeType="tmRoot"/>
+      </p:par>
+    </p:tnLst>
+  </p:timing>
 </p:sld>
 </file>
 
@@ -6432,6 +6598,13 @@
   <p:clrMapOvr>
     <a:masterClrMapping/>
   </p:clrMapOvr>
+  <p:timing>
+    <p:tnLst>
+      <p:par>
+        <p:cTn id="1" dur="indefinite" restart="never" nodeType="tmRoot"/>
+      </p:par>
+    </p:tnLst>
+  </p:timing>
 </p:sld>
 </file>
 
@@ -6509,6 +6682,13 @@
   <p:clrMapOvr>
     <a:masterClrMapping/>
   </p:clrMapOvr>
+  <p:timing>
+    <p:tnLst>
+      <p:par>
+        <p:cTn id="1" dur="indefinite" restart="never" nodeType="tmRoot"/>
+      </p:par>
+    </p:tnLst>
+  </p:timing>
 </p:sld>
 </file>
 
@@ -6629,6 +6809,13 @@
   <p:clrMapOvr>
     <a:masterClrMapping/>
   </p:clrMapOvr>
+  <p:timing>
+    <p:tnLst>
+      <p:par>
+        <p:cTn id="1" dur="indefinite" restart="never" nodeType="tmRoot"/>
+      </p:par>
+    </p:tnLst>
+  </p:timing>
 </p:sld>
 </file>
 
